--- a/presentation.pptx
+++ b/presentation.pptx
@@ -13833,7 +13833,11 @@
           <a:p>
             <a:r>
               <a:rPr lang="en-US" dirty="0" smtClean="0"/>
-              <a:t>DJI Trading </a:t>
+              <a:t>DJIA </a:t>
+            </a:r>
+            <a:r>
+              <a:rPr lang="en-US" dirty="0" smtClean="0"/>
+              <a:t>Trading </a:t>
             </a:r>
             <a:r>
               <a:rPr lang="en-US" dirty="0"/>
